--- a/漫畫筆記本-00757028+00757018.pptx
+++ b/漫畫筆記本-00757028+00757018.pptx
@@ -11,7 +11,8 @@
     <p:sldId id="261" r:id="rId5"/>
     <p:sldId id="262" r:id="rId6"/>
     <p:sldId id="258" r:id="rId7"/>
-    <p:sldId id="260" r:id="rId8"/>
+    <p:sldId id="263" r:id="rId8"/>
+    <p:sldId id="260" r:id="rId9"/>
   </p:sldIdLst>
   <p:sldSz cx="12192000" cy="6858000"/>
   <p:notesSz cx="6858000" cy="9144000"/>
@@ -257,7 +258,7 @@
           <a:p>
             <a:fld id="{AE004576-E599-4C25-B3EF-B5E57907F62E}" type="datetimeFigureOut">
               <a:rPr lang="zh-TW" altLang="en-US" smtClean="0"/>
-              <a:t>2019/12/27</a:t>
+              <a:t>2020/1/2</a:t>
             </a:fld>
             <a:endParaRPr lang="zh-TW" altLang="en-US"/>
           </a:p>
@@ -468,7 +469,7 @@
           <a:p>
             <a:fld id="{AE004576-E599-4C25-B3EF-B5E57907F62E}" type="datetimeFigureOut">
               <a:rPr lang="zh-TW" altLang="en-US" smtClean="0"/>
-              <a:t>2019/12/27</a:t>
+              <a:t>2020/1/2</a:t>
             </a:fld>
             <a:endParaRPr lang="zh-TW" altLang="en-US"/>
           </a:p>
@@ -683,7 +684,7 @@
           <a:p>
             <a:fld id="{AE004576-E599-4C25-B3EF-B5E57907F62E}" type="datetimeFigureOut">
               <a:rPr lang="zh-TW" altLang="en-US" smtClean="0"/>
-              <a:t>2019/12/27</a:t>
+              <a:t>2020/1/2</a:t>
             </a:fld>
             <a:endParaRPr lang="zh-TW" altLang="en-US"/>
           </a:p>
@@ -884,7 +885,7 @@
           <a:p>
             <a:fld id="{AE004576-E599-4C25-B3EF-B5E57907F62E}" type="datetimeFigureOut">
               <a:rPr lang="zh-TW" altLang="en-US" smtClean="0"/>
-              <a:t>2019/12/27</a:t>
+              <a:t>2020/1/2</a:t>
             </a:fld>
             <a:endParaRPr lang="zh-TW" altLang="en-US"/>
           </a:p>
@@ -1163,7 +1164,7 @@
           <a:p>
             <a:fld id="{AE004576-E599-4C25-B3EF-B5E57907F62E}" type="datetimeFigureOut">
               <a:rPr lang="zh-TW" altLang="en-US" smtClean="0"/>
-              <a:t>2019/12/27</a:t>
+              <a:t>2020/1/2</a:t>
             </a:fld>
             <a:endParaRPr lang="zh-TW" altLang="en-US"/>
           </a:p>
@@ -1431,7 +1432,7 @@
           <a:p>
             <a:fld id="{AE004576-E599-4C25-B3EF-B5E57907F62E}" type="datetimeFigureOut">
               <a:rPr lang="zh-TW" altLang="en-US" smtClean="0"/>
-              <a:t>2019/12/27</a:t>
+              <a:t>2020/1/2</a:t>
             </a:fld>
             <a:endParaRPr lang="zh-TW" altLang="en-US"/>
           </a:p>
@@ -1847,7 +1848,7 @@
           <a:p>
             <a:fld id="{AE004576-E599-4C25-B3EF-B5E57907F62E}" type="datetimeFigureOut">
               <a:rPr lang="zh-TW" altLang="en-US" smtClean="0"/>
-              <a:t>2019/12/27</a:t>
+              <a:t>2020/1/2</a:t>
             </a:fld>
             <a:endParaRPr lang="zh-TW" altLang="en-US"/>
           </a:p>
@@ -1996,7 +1997,7 @@
           <a:p>
             <a:fld id="{AE004576-E599-4C25-B3EF-B5E57907F62E}" type="datetimeFigureOut">
               <a:rPr lang="zh-TW" altLang="en-US" smtClean="0"/>
-              <a:t>2019/12/27</a:t>
+              <a:t>2020/1/2</a:t>
             </a:fld>
             <a:endParaRPr lang="zh-TW" altLang="en-US"/>
           </a:p>
@@ -2122,7 +2123,7 @@
           <a:p>
             <a:fld id="{AE004576-E599-4C25-B3EF-B5E57907F62E}" type="datetimeFigureOut">
               <a:rPr lang="zh-TW" altLang="en-US" smtClean="0"/>
-              <a:t>2019/12/27</a:t>
+              <a:t>2020/1/2</a:t>
             </a:fld>
             <a:endParaRPr lang="zh-TW" altLang="en-US"/>
           </a:p>
@@ -2373,7 +2374,7 @@
           <a:p>
             <a:fld id="{AE004576-E599-4C25-B3EF-B5E57907F62E}" type="datetimeFigureOut">
               <a:rPr lang="zh-TW" altLang="en-US" smtClean="0"/>
-              <a:t>2019/12/27</a:t>
+              <a:t>2020/1/2</a:t>
             </a:fld>
             <a:endParaRPr lang="zh-TW" altLang="en-US"/>
           </a:p>
@@ -2818,7 +2819,7 @@
           <a:p>
             <a:fld id="{AE004576-E599-4C25-B3EF-B5E57907F62E}" type="datetimeFigureOut">
               <a:rPr lang="zh-TW" altLang="en-US" smtClean="0"/>
-              <a:t>2019/12/27</a:t>
+              <a:t>2020/1/2</a:t>
             </a:fld>
             <a:endParaRPr lang="zh-TW" altLang="en-US"/>
           </a:p>
@@ -3144,7 +3145,7 @@
           <a:p>
             <a:fld id="{AE004576-E599-4C25-B3EF-B5E57907F62E}" type="datetimeFigureOut">
               <a:rPr lang="zh-TW" altLang="en-US" smtClean="0"/>
-              <a:t>2019/12/27</a:t>
+              <a:t>2020/1/2</a:t>
             </a:fld>
             <a:endParaRPr lang="zh-TW" altLang="en-US"/>
           </a:p>
@@ -4629,6 +4630,208 @@
           <p:cNvPr id="2" name="文字方塊 1">
             <a:extLst>
               <a:ext uri="{FF2B5EF4-FFF2-40B4-BE49-F238E27FC236}">
+                <a16:creationId xmlns:a16="http://schemas.microsoft.com/office/drawing/2014/main" id="{F33F8830-FF6D-4E14-8B5B-26B4C11E56AB}"/>
+              </a:ext>
+            </a:extLst>
+          </p:cNvPr>
+          <p:cNvSpPr txBox="1"/>
+          <p:nvPr/>
+        </p:nvSpPr>
+        <p:spPr>
+          <a:xfrm>
+            <a:off x="1275125" y="1048624"/>
+            <a:ext cx="6107187" cy="3816429"/>
+          </a:xfrm>
+          <a:prstGeom prst="rect">
+            <a:avLst/>
+          </a:prstGeom>
+          <a:noFill/>
+        </p:spPr>
+        <p:txBody>
+          <a:bodyPr wrap="square" rtlCol="0">
+            <a:spAutoFit/>
+          </a:bodyPr>
+          <a:lstStyle/>
+          <a:p>
+            <a:r>
+              <a:rPr lang="zh-TW" altLang="en-US" sz="3200" dirty="0">
+                <a:latin typeface="+mn-ea"/>
+              </a:rPr>
+              <a:t>測試用帳號</a:t>
+            </a:r>
+            <a:r>
+              <a:rPr lang="en-US" altLang="zh-TW" sz="3200" dirty="0">
+                <a:latin typeface="+mn-ea"/>
+              </a:rPr>
+              <a:t>(</a:t>
+            </a:r>
+            <a:r>
+              <a:rPr lang="zh-TW" altLang="en-US" sz="3200" dirty="0">
+                <a:latin typeface="+mn-ea"/>
+              </a:rPr>
+              <a:t>未驗證</a:t>
+            </a:r>
+            <a:r>
+              <a:rPr lang="en-US" altLang="zh-TW" sz="3200" dirty="0">
+                <a:latin typeface="+mn-ea"/>
+              </a:rPr>
+              <a:t>):</a:t>
+            </a:r>
+          </a:p>
+          <a:p>
+            <a:r>
+              <a:rPr lang="en-US" altLang="zh-TW" sz="3200" dirty="0">
+                <a:latin typeface="+mn-ea"/>
+              </a:rPr>
+              <a:t>	</a:t>
+            </a:r>
+            <a:r>
+              <a:rPr lang="zh-TW" altLang="en-US" sz="3200" dirty="0">
+                <a:latin typeface="+mn-ea"/>
+              </a:rPr>
+              <a:t>帳號</a:t>
+            </a:r>
+            <a:r>
+              <a:rPr lang="en-US" altLang="zh-TW" sz="3200" dirty="0">
+                <a:latin typeface="+mn-ea"/>
+              </a:rPr>
+              <a:t>:guest@gmail.com</a:t>
+            </a:r>
+          </a:p>
+          <a:p>
+            <a:r>
+              <a:rPr lang="en-US" altLang="zh-TW" sz="3200" dirty="0">
+                <a:latin typeface="+mn-ea"/>
+              </a:rPr>
+              <a:t>	</a:t>
+            </a:r>
+            <a:r>
+              <a:rPr lang="zh-TW" altLang="en-US" sz="3200" dirty="0">
+                <a:latin typeface="+mn-ea"/>
+              </a:rPr>
+              <a:t>密碼</a:t>
+            </a:r>
+            <a:r>
+              <a:rPr lang="en-US" altLang="zh-TW" sz="3200">
+                <a:latin typeface="+mn-ea"/>
+              </a:rPr>
+              <a:t>:123456789</a:t>
+            </a:r>
+            <a:endParaRPr lang="en-US" altLang="zh-TW" sz="3200" dirty="0">
+              <a:latin typeface="+mn-ea"/>
+            </a:endParaRPr>
+          </a:p>
+          <a:p>
+            <a:endParaRPr lang="en-US" altLang="zh-TW" sz="3200" dirty="0">
+              <a:latin typeface="+mn-ea"/>
+            </a:endParaRPr>
+          </a:p>
+          <a:p>
+            <a:r>
+              <a:rPr lang="zh-TW" altLang="en-US" sz="3200" dirty="0">
+                <a:latin typeface="+mn-ea"/>
+              </a:rPr>
+              <a:t>測試用帳號</a:t>
+            </a:r>
+            <a:r>
+              <a:rPr lang="en-US" altLang="zh-TW" sz="3200" dirty="0">
+                <a:latin typeface="+mn-ea"/>
+              </a:rPr>
+              <a:t>(</a:t>
+            </a:r>
+            <a:r>
+              <a:rPr lang="zh-TW" altLang="en-US" sz="3200" dirty="0">
+                <a:latin typeface="+mn-ea"/>
+              </a:rPr>
+              <a:t>已驗證</a:t>
+            </a:r>
+            <a:r>
+              <a:rPr lang="en-US" altLang="zh-TW" sz="3200" dirty="0">
+                <a:latin typeface="+mn-ea"/>
+              </a:rPr>
+              <a:t>):</a:t>
+            </a:r>
+          </a:p>
+          <a:p>
+            <a:r>
+              <a:rPr lang="en-US" altLang="zh-TW" sz="3200" dirty="0">
+                <a:latin typeface="+mn-ea"/>
+              </a:rPr>
+              <a:t>	</a:t>
+            </a:r>
+            <a:r>
+              <a:rPr lang="zh-TW" altLang="en-US" sz="3200" dirty="0">
+                <a:latin typeface="+mn-ea"/>
+              </a:rPr>
+              <a:t>帳號</a:t>
+            </a:r>
+            <a:r>
+              <a:rPr lang="en-US" altLang="zh-TW" sz="3200" dirty="0">
+                <a:latin typeface="+mn-ea"/>
+              </a:rPr>
+              <a:t>:0ohuano03@gmail.com</a:t>
+            </a:r>
+          </a:p>
+          <a:p>
+            <a:r>
+              <a:rPr lang="en-US" altLang="zh-TW" sz="3200" dirty="0">
+                <a:latin typeface="+mn-ea"/>
+              </a:rPr>
+              <a:t>	</a:t>
+            </a:r>
+            <a:r>
+              <a:rPr lang="zh-TW" altLang="en-US" sz="3200" dirty="0">
+                <a:latin typeface="+mn-ea"/>
+              </a:rPr>
+              <a:t>密碼</a:t>
+            </a:r>
+            <a:r>
+              <a:rPr lang="en-US" altLang="zh-TW" sz="3200" dirty="0">
+                <a:latin typeface="+mn-ea"/>
+              </a:rPr>
+              <a:t>:123456789</a:t>
+            </a:r>
+          </a:p>
+          <a:p>
+            <a:endParaRPr lang="en-US" altLang="zh-TW" dirty="0"/>
+          </a:p>
+        </p:txBody>
+      </p:sp>
+    </p:spTree>
+    <p:extLst>
+      <p:ext uri="{BB962C8B-B14F-4D97-AF65-F5344CB8AC3E}">
+        <p14:creationId xmlns:p14="http://schemas.microsoft.com/office/powerpoint/2010/main" val="3596122699"/>
+      </p:ext>
+    </p:extLst>
+  </p:cSld>
+  <p:clrMapOvr>
+    <a:masterClrMapping/>
+  </p:clrMapOvr>
+</p:sld>
+</file>
+
+<file path=ppt/slides/slide8.xml><?xml version="1.0" encoding="utf-8"?>
+<p:sld xmlns:a="http://schemas.openxmlformats.org/drawingml/2006/main" xmlns:r="http://schemas.openxmlformats.org/officeDocument/2006/relationships" xmlns:p="http://schemas.openxmlformats.org/presentationml/2006/main">
+  <p:cSld>
+    <p:spTree>
+      <p:nvGrpSpPr>
+        <p:cNvPr id="1" name=""/>
+        <p:cNvGrpSpPr/>
+        <p:nvPr/>
+      </p:nvGrpSpPr>
+      <p:grpSpPr>
+        <a:xfrm>
+          <a:off x="0" y="0"/>
+          <a:ext cx="0" cy="0"/>
+          <a:chOff x="0" y="0"/>
+          <a:chExt cx="0" cy="0"/>
+        </a:xfrm>
+      </p:grpSpPr>
+      <p:sp>
+        <p:nvSpPr>
+          <p:cNvPr id="2" name="文字方塊 1">
+            <a:extLst>
+              <a:ext uri="{FF2B5EF4-FFF2-40B4-BE49-F238E27FC236}">
                 <a16:creationId xmlns:a16="http://schemas.microsoft.com/office/drawing/2014/main" id="{5451F0D9-2EE7-4476-9AD3-F95C37DEC898}"/>
               </a:ext>
             </a:extLst>

--- a/漫畫筆記本-00757028+00757018.pptx
+++ b/漫畫筆記本-00757028+00757018.pptx
@@ -4456,8 +4456,8 @@
         </p:nvSpPr>
         <p:spPr>
           <a:xfrm>
-            <a:off x="741027" y="1065402"/>
-            <a:ext cx="4871208" cy="2062103"/>
+            <a:off x="741026" y="1065402"/>
+            <a:ext cx="5148045" cy="3046988"/>
           </a:xfrm>
           <a:prstGeom prst="rect">
             <a:avLst/>
@@ -4514,6 +4514,28 @@
             <a:r>
               <a:rPr lang="zh-TW" altLang="en-US" sz="3200" dirty="0"/>
               <a:t>讓網頁書籤乾淨整潔</a:t>
+            </a:r>
+            <a:endParaRPr lang="en-US" altLang="zh-TW" sz="3200" dirty="0"/>
+          </a:p>
+          <a:p>
+            <a:r>
+              <a:rPr lang="en-US" altLang="zh-TW" sz="3200" dirty="0"/>
+              <a:t>	4.</a:t>
+            </a:r>
+            <a:r>
+              <a:rPr lang="zh-TW" altLang="en-US" sz="3200" dirty="0"/>
+              <a:t>不須註冊大量網站會員</a:t>
+            </a:r>
+            <a:endParaRPr lang="en-US" altLang="zh-TW" sz="3200" dirty="0"/>
+          </a:p>
+          <a:p>
+            <a:r>
+              <a:rPr lang="en-US" altLang="zh-TW" sz="3200" dirty="0"/>
+              <a:t>	5.</a:t>
+            </a:r>
+            <a:r>
+              <a:rPr lang="zh-TW" altLang="en-US" sz="3200" dirty="0"/>
+              <a:t>使用越久，價值越高</a:t>
             </a:r>
             <a:endParaRPr lang="en-US" altLang="zh-TW" sz="3200" dirty="0"/>
           </a:p>
@@ -4533,8 +4555,8 @@
         </p:nvSpPr>
         <p:spPr>
           <a:xfrm>
-            <a:off x="5612235" y="1170237"/>
-            <a:ext cx="5838737" cy="1569660"/>
+            <a:off x="7097088" y="1065402"/>
+            <a:ext cx="2860646" cy="1569660"/>
           </a:xfrm>
           <a:prstGeom prst="rect">
             <a:avLst/>
@@ -4712,14 +4734,11 @@
               <a:t>密碼</a:t>
             </a:r>
             <a:r>
-              <a:rPr lang="en-US" altLang="zh-TW" sz="3200">
+              <a:rPr lang="en-US" altLang="zh-TW" sz="3200" dirty="0">
                 <a:latin typeface="+mn-ea"/>
               </a:rPr>
               <a:t>:123456789</a:t>
             </a:r>
-            <a:endParaRPr lang="en-US" altLang="zh-TW" sz="3200" dirty="0">
-              <a:latin typeface="+mn-ea"/>
-            </a:endParaRPr>
           </a:p>
           <a:p>
             <a:endParaRPr lang="en-US" altLang="zh-TW" sz="3200" dirty="0">
@@ -4794,6 +4813,63 @@
           </a:p>
           <a:p>
             <a:endParaRPr lang="en-US" altLang="zh-TW" dirty="0"/>
+          </a:p>
+        </p:txBody>
+      </p:sp>
+      <p:sp>
+        <p:nvSpPr>
+          <p:cNvPr id="3" name="文字方塊 2">
+            <a:extLst>
+              <a:ext uri="{FF2B5EF4-FFF2-40B4-BE49-F238E27FC236}">
+                <a16:creationId xmlns:a16="http://schemas.microsoft.com/office/drawing/2014/main" id="{385B03A7-6575-4943-B33D-361615494325}"/>
+              </a:ext>
+            </a:extLst>
+          </p:cNvPr>
+          <p:cNvSpPr txBox="1"/>
+          <p:nvPr/>
+        </p:nvSpPr>
+        <p:spPr>
+          <a:xfrm>
+            <a:off x="6576968" y="4865053"/>
+            <a:ext cx="5343788" cy="1200329"/>
+          </a:xfrm>
+          <a:prstGeom prst="rect">
+            <a:avLst/>
+          </a:prstGeom>
+          <a:noFill/>
+        </p:spPr>
+        <p:txBody>
+          <a:bodyPr wrap="square" rtlCol="0">
+            <a:spAutoFit/>
+          </a:bodyPr>
+          <a:lstStyle/>
+          <a:p>
+            <a:r>
+              <a:rPr lang="zh-TW" altLang="en-US" sz="2400" dirty="0">
+                <a:solidFill>
+                  <a:srgbClr val="FF0000"/>
+                </a:solidFill>
+                <a:latin typeface="+mn-ea"/>
+              </a:rPr>
+              <a:t>歡迎使用這些測試用帳號。</a:t>
+            </a:r>
+            <a:endParaRPr lang="en-US" altLang="zh-TW" sz="2400" dirty="0">
+              <a:solidFill>
+                <a:srgbClr val="FF0000"/>
+              </a:solidFill>
+              <a:latin typeface="+mn-ea"/>
+            </a:endParaRPr>
+          </a:p>
+          <a:p>
+            <a:r>
+              <a:rPr lang="zh-TW" altLang="en-US" sz="2400" dirty="0">
+                <a:solidFill>
+                  <a:srgbClr val="FF0000"/>
+                </a:solidFill>
+                <a:latin typeface="+mn-ea"/>
+              </a:rPr>
+              <a:t>如果不怕自己的癖好被其他人知道的話。</a:t>
+            </a:r>
           </a:p>
         </p:txBody>
       </p:sp>

--- a/漫畫筆記本-00757028+00757018.pptx
+++ b/漫畫筆記本-00757028+00757018.pptx
@@ -10,9 +10,10 @@
     <p:sldId id="259" r:id="rId4"/>
     <p:sldId id="261" r:id="rId5"/>
     <p:sldId id="262" r:id="rId6"/>
-    <p:sldId id="258" r:id="rId7"/>
-    <p:sldId id="263" r:id="rId8"/>
-    <p:sldId id="260" r:id="rId9"/>
+    <p:sldId id="264" r:id="rId7"/>
+    <p:sldId id="258" r:id="rId8"/>
+    <p:sldId id="263" r:id="rId9"/>
+    <p:sldId id="260" r:id="rId10"/>
   </p:sldIdLst>
   <p:sldSz cx="12192000" cy="6858000"/>
   <p:notesSz cx="6858000" cy="9144000"/>
@@ -4447,7 +4448,7 @@
           <p:cNvPr id="2" name="文字方塊 1">
             <a:extLst>
               <a:ext uri="{FF2B5EF4-FFF2-40B4-BE49-F238E27FC236}">
-                <a16:creationId xmlns:a16="http://schemas.microsoft.com/office/drawing/2014/main" id="{534C9505-2985-4639-869D-31975DCE556D}"/>
+                <a16:creationId xmlns:a16="http://schemas.microsoft.com/office/drawing/2014/main" id="{049DF697-5403-4E99-9F3F-1AC7DC7C719B}"/>
               </a:ext>
             </a:extLst>
           </p:cNvPr>
@@ -4456,8 +4457,8 @@
         </p:nvSpPr>
         <p:spPr>
           <a:xfrm>
-            <a:off x="741026" y="1065402"/>
-            <a:ext cx="5148045" cy="3046988"/>
+            <a:off x="343949" y="872455"/>
+            <a:ext cx="6249798" cy="3539430"/>
           </a:xfrm>
           <a:prstGeom prst="rect">
             <a:avLst/>
@@ -4472,28 +4473,52 @@
           <a:p>
             <a:r>
               <a:rPr lang="zh-TW" altLang="en-US" sz="3200" dirty="0"/>
-              <a:t>特色與優點</a:t>
+              <a:t>總行數</a:t>
+            </a:r>
+            <a:r>
+              <a:rPr lang="en-US" altLang="zh-TW" sz="3200" dirty="0"/>
+              <a:t>:1817</a:t>
+            </a:r>
+            <a:r>
+              <a:rPr lang="zh-TW" altLang="en-US" sz="3200" dirty="0"/>
+              <a:t>行</a:t>
+            </a:r>
+            <a:endParaRPr lang="en-US" altLang="zh-TW" sz="3200" dirty="0"/>
+          </a:p>
+          <a:p>
+            <a:endParaRPr lang="en-US" altLang="zh-TW" sz="3200" dirty="0"/>
+          </a:p>
+          <a:p>
+            <a:r>
+              <a:rPr lang="zh-TW" altLang="en-US" sz="3200" dirty="0"/>
+              <a:t>難處</a:t>
             </a:r>
             <a:r>
               <a:rPr lang="en-US" altLang="zh-TW" sz="3200" dirty="0"/>
               <a:t>:</a:t>
             </a:r>
+          </a:p>
+          <a:p>
+            <a:r>
+              <a:rPr lang="en-US" altLang="zh-TW" sz="3200" dirty="0"/>
+              <a:t>	1.FireBase</a:t>
+            </a:r>
             <a:r>
               <a:rPr lang="zh-TW" altLang="en-US" sz="3200" dirty="0"/>
-              <a:t> </a:t>
-            </a:r>
-            <a:endParaRPr lang="en-US" altLang="zh-TW" sz="3200" dirty="0"/>
-          </a:p>
-          <a:p>
+              <a:t>的使用</a:t>
+            </a:r>
             <a:r>
               <a:rPr lang="en-US" altLang="zh-TW" sz="3200" dirty="0"/>
-              <a:t>	1.</a:t>
+              <a:t>(21</a:t>
             </a:r>
             <a:r>
               <a:rPr lang="zh-TW" altLang="en-US" sz="3200" dirty="0"/>
-              <a:t>方便好用</a:t>
-            </a:r>
-            <a:endParaRPr lang="en-US" altLang="zh-TW" sz="3200" dirty="0"/>
+              <a:t>天</a:t>
+            </a:r>
+            <a:r>
+              <a:rPr lang="en-US" altLang="zh-TW" sz="3200" dirty="0"/>
+              <a:t>)</a:t>
+            </a:r>
           </a:p>
           <a:p>
             <a:r>
@@ -4502,20 +4527,50 @@
             </a:r>
             <a:r>
               <a:rPr lang="zh-TW" altLang="en-US" sz="3200" dirty="0"/>
-              <a:t>不佔用大量記憶體</a:t>
-            </a:r>
-            <a:endParaRPr lang="en-US" altLang="zh-TW" sz="3200" dirty="0"/>
-          </a:p>
-          <a:p>
+              <a:t>電腦版的</a:t>
+            </a:r>
             <a:r>
               <a:rPr lang="en-US" altLang="zh-TW" sz="3200" dirty="0"/>
-              <a:t>	3.</a:t>
+              <a:t>share</a:t>
             </a:r>
             <a:r>
               <a:rPr lang="zh-TW" altLang="en-US" sz="3200" dirty="0"/>
-              <a:t>讓網頁書籤乾淨整潔</a:t>
-            </a:r>
-            <a:endParaRPr lang="en-US" altLang="zh-TW" sz="3200" dirty="0"/>
+              <a:t>按鈕</a:t>
+            </a:r>
+            <a:r>
+              <a:rPr lang="en-US" altLang="zh-TW" sz="3200" dirty="0"/>
+              <a:t>(3</a:t>
+            </a:r>
+            <a:r>
+              <a:rPr lang="zh-TW" altLang="en-US" sz="3200" dirty="0"/>
+              <a:t>天</a:t>
+            </a:r>
+            <a:r>
+              <a:rPr lang="en-US" altLang="zh-TW" sz="3200" dirty="0"/>
+              <a:t>)</a:t>
+            </a:r>
+          </a:p>
+          <a:p>
+            <a:r>
+              <a:rPr lang="en-US" altLang="zh-TW" sz="3200" dirty="0"/>
+              <a:t>	3.bootstrap</a:t>
+            </a:r>
+            <a:r>
+              <a:rPr lang="zh-TW" altLang="en-US" sz="3200" dirty="0"/>
+              <a:t>的排版問題</a:t>
+            </a:r>
+            <a:r>
+              <a:rPr lang="en-US" altLang="zh-TW" sz="3200" dirty="0"/>
+              <a:t>(4</a:t>
+            </a:r>
+            <a:r>
+              <a:rPr lang="zh-TW" altLang="en-US" sz="3200" dirty="0"/>
+              <a:t>天</a:t>
+            </a:r>
+            <a:r>
+              <a:rPr lang="en-US" altLang="zh-TW" sz="3200" dirty="0"/>
+              <a:t>)</a:t>
+            </a:r>
           </a:p>
           <a:p>
             <a:r>
@@ -4524,29 +4579,75 @@
             </a:r>
             <a:r>
               <a:rPr lang="zh-TW" altLang="en-US" sz="3200" dirty="0"/>
-              <a:t>不須註冊大量網站會員</a:t>
-            </a:r>
-            <a:endParaRPr lang="en-US" altLang="zh-TW" sz="3200" dirty="0"/>
-          </a:p>
-          <a:p>
+              <a:t>表格換頁</a:t>
+            </a:r>
             <a:r>
               <a:rPr lang="en-US" altLang="zh-TW" sz="3200" dirty="0"/>
-              <a:t>	5.</a:t>
+              <a:t>(</a:t>
             </a:r>
             <a:r>
               <a:rPr lang="zh-TW" altLang="en-US" sz="3200" dirty="0"/>
-              <a:t>使用越久，價值越高</a:t>
-            </a:r>
-            <a:endParaRPr lang="en-US" altLang="zh-TW" sz="3200" dirty="0"/>
-          </a:p>
-        </p:txBody>
-      </p:sp>
-      <p:sp>
-        <p:nvSpPr>
-          <p:cNvPr id="3" name="文字方塊 2">
+              <a:t>純</a:t>
+            </a:r>
+            <a:r>
+              <a:rPr lang="en-US" altLang="zh-TW" sz="3200" dirty="0"/>
+              <a:t>JS</a:t>
+            </a:r>
+            <a:r>
+              <a:rPr lang="zh-TW" altLang="en-US" sz="3200" dirty="0"/>
+              <a:t>，</a:t>
+            </a:r>
+            <a:r>
+              <a:rPr lang="en-US" altLang="zh-TW" sz="3200" dirty="0"/>
+              <a:t>7</a:t>
+            </a:r>
+            <a:r>
+              <a:rPr lang="zh-TW" altLang="en-US" sz="3200" dirty="0"/>
+              <a:t>天</a:t>
+            </a:r>
+            <a:r>
+              <a:rPr lang="en-US" altLang="zh-TW" sz="3200" dirty="0"/>
+              <a:t>)</a:t>
+            </a:r>
+          </a:p>
+        </p:txBody>
+      </p:sp>
+      <p:pic>
+        <p:nvPicPr>
+          <p:cNvPr id="4" name="圖片 3">
             <a:extLst>
               <a:ext uri="{FF2B5EF4-FFF2-40B4-BE49-F238E27FC236}">
-                <a16:creationId xmlns:a16="http://schemas.microsoft.com/office/drawing/2014/main" id="{3BD76DB6-43B2-4ED3-A56D-ED7499B7F3C3}"/>
+                <a16:creationId xmlns:a16="http://schemas.microsoft.com/office/drawing/2014/main" id="{93E3A0B6-7B7C-423D-9B29-6CB2FCAD0BF8}"/>
+              </a:ext>
+            </a:extLst>
+          </p:cNvPr>
+          <p:cNvPicPr>
+            <a:picLocks noChangeAspect="1"/>
+          </p:cNvPicPr>
+          <p:nvPr/>
+        </p:nvPicPr>
+        <p:blipFill>
+          <a:blip r:embed="rId2"/>
+          <a:stretch>
+            <a:fillRect/>
+          </a:stretch>
+        </p:blipFill>
+        <p:spPr>
+          <a:xfrm>
+            <a:off x="6390880" y="1532731"/>
+            <a:ext cx="5362096" cy="3024772"/>
+          </a:xfrm>
+          <a:prstGeom prst="rect">
+            <a:avLst/>
+          </a:prstGeom>
+        </p:spPr>
+      </p:pic>
+      <p:sp>
+        <p:nvSpPr>
+          <p:cNvPr id="5" name="文字方塊 4">
+            <a:extLst>
+              <a:ext uri="{FF2B5EF4-FFF2-40B4-BE49-F238E27FC236}">
+                <a16:creationId xmlns:a16="http://schemas.microsoft.com/office/drawing/2014/main" id="{408A816C-0B2B-4A5C-8968-302CE4201406}"/>
               </a:ext>
             </a:extLst>
           </p:cNvPr>
@@ -4555,8 +4656,8 @@
         </p:nvSpPr>
         <p:spPr>
           <a:xfrm>
-            <a:off x="7097088" y="1065402"/>
-            <a:ext cx="2860646" cy="1569660"/>
+            <a:off x="6878974" y="809934"/>
+            <a:ext cx="4605556" cy="584775"/>
           </a:xfrm>
           <a:prstGeom prst="rect">
             <a:avLst/>
@@ -4571,56 +4672,63 @@
           <a:p>
             <a:r>
               <a:rPr lang="zh-TW" altLang="en-US" sz="3200" dirty="0"/>
-              <a:t>分工</a:t>
+              <a:t>截至</a:t>
             </a:r>
             <a:r>
               <a:rPr lang="en-US" altLang="zh-TW" sz="3200" dirty="0"/>
-              <a:t>:</a:t>
-            </a:r>
-          </a:p>
-          <a:p>
-            <a:r>
-              <a:rPr lang="en-US" altLang="zh-TW" sz="3200" dirty="0"/>
-              <a:t>	</a:t>
+              <a:t>2020/1/1</a:t>
             </a:r>
             <a:r>
               <a:rPr lang="zh-TW" altLang="en-US" sz="3200" dirty="0"/>
-              <a:t>前端</a:t>
-            </a:r>
-            <a:r>
-              <a:rPr lang="en-US" altLang="zh-TW" sz="3200" dirty="0"/>
-              <a:t>:</a:t>
-            </a:r>
-            <a:r>
-              <a:rPr lang="zh-TW" altLang="en-US" sz="3200" dirty="0"/>
-              <a:t> 彭心睿</a:t>
+              <a:t>的統計圖</a:t>
             </a:r>
             <a:endParaRPr lang="en-US" altLang="zh-TW" sz="3200" dirty="0"/>
           </a:p>
-          <a:p>
-            <a:r>
-              <a:rPr lang="en-US" altLang="zh-TW" sz="3200" dirty="0"/>
-              <a:t>	</a:t>
-            </a:r>
-            <a:r>
-              <a:rPr lang="zh-TW" altLang="en-US" sz="3200" dirty="0"/>
-              <a:t>後端</a:t>
-            </a:r>
-            <a:r>
-              <a:rPr lang="en-US" altLang="zh-TW" sz="3200" dirty="0"/>
-              <a:t>:</a:t>
-            </a:r>
-            <a:r>
-              <a:rPr lang="zh-TW" altLang="en-US" sz="3200" dirty="0"/>
-              <a:t> 葉之宇</a:t>
-            </a:r>
-          </a:p>
-        </p:txBody>
-      </p:sp>
+        </p:txBody>
+      </p:sp>
+      <p:cxnSp>
+        <p:nvCxnSpPr>
+          <p:cNvPr id="7" name="直線單箭頭接點 6">
+            <a:extLst>
+              <a:ext uri="{FF2B5EF4-FFF2-40B4-BE49-F238E27FC236}">
+                <a16:creationId xmlns:a16="http://schemas.microsoft.com/office/drawing/2014/main" id="{1917EDE6-4544-4413-98B2-72A27079B3A9}"/>
+              </a:ext>
+            </a:extLst>
+          </p:cNvPr>
+          <p:cNvCxnSpPr/>
+          <p:nvPr/>
+        </p:nvCxnSpPr>
+        <p:spPr>
+          <a:xfrm>
+            <a:off x="10989578" y="947956"/>
+            <a:ext cx="0" cy="369116"/>
+          </a:xfrm>
+          <a:prstGeom prst="straightConnector1">
+            <a:avLst/>
+          </a:prstGeom>
+          <a:ln>
+            <a:tailEnd type="triangle"/>
+          </a:ln>
+        </p:spPr>
+        <p:style>
+          <a:lnRef idx="1">
+            <a:schemeClr val="dk1"/>
+          </a:lnRef>
+          <a:fillRef idx="0">
+            <a:schemeClr val="dk1"/>
+          </a:fillRef>
+          <a:effectRef idx="0">
+            <a:schemeClr val="dk1"/>
+          </a:effectRef>
+          <a:fontRef idx="minor">
+            <a:schemeClr val="tx1"/>
+          </a:fontRef>
+        </p:style>
+      </p:cxnSp>
     </p:spTree>
     <p:extLst>
       <p:ext uri="{BB962C8B-B14F-4D97-AF65-F5344CB8AC3E}">
-        <p14:creationId xmlns:p14="http://schemas.microsoft.com/office/powerpoint/2010/main" val="2264115941"/>
+        <p14:creationId xmlns:p14="http://schemas.microsoft.com/office/powerpoint/2010/main" val="1465535045"/>
       </p:ext>
     </p:extLst>
   </p:cSld>
@@ -4652,6 +4760,241 @@
           <p:cNvPr id="2" name="文字方塊 1">
             <a:extLst>
               <a:ext uri="{FF2B5EF4-FFF2-40B4-BE49-F238E27FC236}">
+                <a16:creationId xmlns:a16="http://schemas.microsoft.com/office/drawing/2014/main" id="{534C9505-2985-4639-869D-31975DCE556D}"/>
+              </a:ext>
+            </a:extLst>
+          </p:cNvPr>
+          <p:cNvSpPr txBox="1"/>
+          <p:nvPr/>
+        </p:nvSpPr>
+        <p:spPr>
+          <a:xfrm>
+            <a:off x="741025" y="1065402"/>
+            <a:ext cx="8872757" cy="4031873"/>
+          </a:xfrm>
+          <a:prstGeom prst="rect">
+            <a:avLst/>
+          </a:prstGeom>
+          <a:noFill/>
+        </p:spPr>
+        <p:txBody>
+          <a:bodyPr wrap="square" rtlCol="0">
+            <a:spAutoFit/>
+          </a:bodyPr>
+          <a:lstStyle/>
+          <a:p>
+            <a:r>
+              <a:rPr lang="zh-TW" altLang="en-US" sz="3200" dirty="0"/>
+              <a:t>特色與優點</a:t>
+            </a:r>
+            <a:r>
+              <a:rPr lang="en-US" altLang="zh-TW" sz="3200" dirty="0"/>
+              <a:t>:</a:t>
+            </a:r>
+            <a:r>
+              <a:rPr lang="zh-TW" altLang="en-US" sz="3200" dirty="0"/>
+              <a:t> </a:t>
+            </a:r>
+            <a:endParaRPr lang="en-US" altLang="zh-TW" sz="3200" dirty="0"/>
+          </a:p>
+          <a:p>
+            <a:r>
+              <a:rPr lang="en-US" altLang="zh-TW" sz="3200" dirty="0"/>
+              <a:t>	1.</a:t>
+            </a:r>
+            <a:r>
+              <a:rPr lang="zh-TW" altLang="en-US" sz="3200" dirty="0"/>
+              <a:t>方便好用</a:t>
+            </a:r>
+            <a:endParaRPr lang="en-US" altLang="zh-TW" sz="3200" dirty="0"/>
+          </a:p>
+          <a:p>
+            <a:r>
+              <a:rPr lang="en-US" altLang="zh-TW" sz="3200" dirty="0"/>
+              <a:t>	2.</a:t>
+            </a:r>
+            <a:r>
+              <a:rPr lang="zh-TW" altLang="en-US" sz="3200" dirty="0"/>
+              <a:t>不佔用大量記憶體</a:t>
+            </a:r>
+            <a:endParaRPr lang="en-US" altLang="zh-TW" sz="3200" dirty="0"/>
+          </a:p>
+          <a:p>
+            <a:r>
+              <a:rPr lang="en-US" altLang="zh-TW" sz="3200" dirty="0"/>
+              <a:t>	3.</a:t>
+            </a:r>
+            <a:r>
+              <a:rPr lang="zh-TW" altLang="en-US" sz="3200" dirty="0"/>
+              <a:t>讓網頁書籤乾淨整潔</a:t>
+            </a:r>
+            <a:endParaRPr lang="en-US" altLang="zh-TW" sz="3200" dirty="0"/>
+          </a:p>
+          <a:p>
+            <a:r>
+              <a:rPr lang="en-US" altLang="zh-TW" sz="3200" dirty="0"/>
+              <a:t>	4.</a:t>
+            </a:r>
+            <a:r>
+              <a:rPr lang="zh-TW" altLang="en-US" sz="3200" dirty="0"/>
+              <a:t>不須註冊大量網站會員</a:t>
+            </a:r>
+            <a:endParaRPr lang="en-US" altLang="zh-TW" sz="3200" dirty="0"/>
+          </a:p>
+          <a:p>
+            <a:r>
+              <a:rPr lang="en-US" altLang="zh-TW" sz="3200" dirty="0"/>
+              <a:t>	5.</a:t>
+            </a:r>
+            <a:r>
+              <a:rPr lang="zh-TW" altLang="en-US" sz="3200" dirty="0"/>
+              <a:t>使用越久，價值越高</a:t>
+            </a:r>
+            <a:endParaRPr lang="en-US" altLang="zh-TW" sz="3200" dirty="0"/>
+          </a:p>
+          <a:p>
+            <a:r>
+              <a:rPr lang="en-US" altLang="zh-TW" sz="3200" dirty="0"/>
+              <a:t>	6.</a:t>
+            </a:r>
+            <a:r>
+              <a:rPr lang="zh-TW" altLang="en-US" sz="3200" dirty="0"/>
+              <a:t>會持續更新新功能，使使用上更加方便</a:t>
+            </a:r>
+            <a:endParaRPr lang="en-US" altLang="zh-TW" sz="3200" dirty="0"/>
+          </a:p>
+          <a:p>
+            <a:r>
+              <a:rPr lang="en-US" altLang="zh-TW" sz="3200" dirty="0"/>
+              <a:t>	7.</a:t>
+            </a:r>
+            <a:r>
+              <a:rPr lang="zh-TW" altLang="en-US" sz="3200" dirty="0"/>
+              <a:t>根據</a:t>
+            </a:r>
+            <a:r>
+              <a:rPr lang="en-US" altLang="zh-TW" sz="3200" dirty="0"/>
+              <a:t>Twitter</a:t>
+            </a:r>
+            <a:r>
+              <a:rPr lang="zh-TW" altLang="en-US" sz="3200" dirty="0"/>
+              <a:t>上的使用者反饋，立刻做出反應</a:t>
+            </a:r>
+            <a:endParaRPr lang="en-US" altLang="zh-TW" sz="3200" dirty="0"/>
+          </a:p>
+        </p:txBody>
+      </p:sp>
+      <p:sp>
+        <p:nvSpPr>
+          <p:cNvPr id="3" name="文字方塊 2">
+            <a:extLst>
+              <a:ext uri="{FF2B5EF4-FFF2-40B4-BE49-F238E27FC236}">
+                <a16:creationId xmlns:a16="http://schemas.microsoft.com/office/drawing/2014/main" id="{3BD76DB6-43B2-4ED3-A56D-ED7499B7F3C3}"/>
+              </a:ext>
+            </a:extLst>
+          </p:cNvPr>
+          <p:cNvSpPr txBox="1"/>
+          <p:nvPr/>
+        </p:nvSpPr>
+        <p:spPr>
+          <a:xfrm>
+            <a:off x="7097088" y="1065402"/>
+            <a:ext cx="2860646" cy="1569660"/>
+          </a:xfrm>
+          <a:prstGeom prst="rect">
+            <a:avLst/>
+          </a:prstGeom>
+          <a:noFill/>
+        </p:spPr>
+        <p:txBody>
+          <a:bodyPr wrap="square" rtlCol="0">
+            <a:spAutoFit/>
+          </a:bodyPr>
+          <a:lstStyle/>
+          <a:p>
+            <a:r>
+              <a:rPr lang="zh-TW" altLang="en-US" sz="3200" dirty="0"/>
+              <a:t>分工</a:t>
+            </a:r>
+            <a:r>
+              <a:rPr lang="en-US" altLang="zh-TW" sz="3200" dirty="0"/>
+              <a:t>:</a:t>
+            </a:r>
+          </a:p>
+          <a:p>
+            <a:r>
+              <a:rPr lang="en-US" altLang="zh-TW" sz="3200" dirty="0"/>
+              <a:t>	</a:t>
+            </a:r>
+            <a:r>
+              <a:rPr lang="zh-TW" altLang="en-US" sz="3200" dirty="0"/>
+              <a:t>前端</a:t>
+            </a:r>
+            <a:r>
+              <a:rPr lang="en-US" altLang="zh-TW" sz="3200" dirty="0"/>
+              <a:t>:</a:t>
+            </a:r>
+            <a:r>
+              <a:rPr lang="zh-TW" altLang="en-US" sz="3200" dirty="0"/>
+              <a:t> 彭心睿</a:t>
+            </a:r>
+            <a:endParaRPr lang="en-US" altLang="zh-TW" sz="3200" dirty="0"/>
+          </a:p>
+          <a:p>
+            <a:r>
+              <a:rPr lang="en-US" altLang="zh-TW" sz="3200" dirty="0"/>
+              <a:t>	</a:t>
+            </a:r>
+            <a:r>
+              <a:rPr lang="zh-TW" altLang="en-US" sz="3200" dirty="0"/>
+              <a:t>後端</a:t>
+            </a:r>
+            <a:r>
+              <a:rPr lang="en-US" altLang="zh-TW" sz="3200" dirty="0"/>
+              <a:t>:</a:t>
+            </a:r>
+            <a:r>
+              <a:rPr lang="zh-TW" altLang="en-US" sz="3200" dirty="0"/>
+              <a:t> 葉之宇</a:t>
+            </a:r>
+          </a:p>
+        </p:txBody>
+      </p:sp>
+    </p:spTree>
+    <p:extLst>
+      <p:ext uri="{BB962C8B-B14F-4D97-AF65-F5344CB8AC3E}">
+        <p14:creationId xmlns:p14="http://schemas.microsoft.com/office/powerpoint/2010/main" val="2264115941"/>
+      </p:ext>
+    </p:extLst>
+  </p:cSld>
+  <p:clrMapOvr>
+    <a:masterClrMapping/>
+  </p:clrMapOvr>
+</p:sld>
+</file>
+
+<file path=ppt/slides/slide8.xml><?xml version="1.0" encoding="utf-8"?>
+<p:sld xmlns:a="http://schemas.openxmlformats.org/drawingml/2006/main" xmlns:r="http://schemas.openxmlformats.org/officeDocument/2006/relationships" xmlns:p="http://schemas.openxmlformats.org/presentationml/2006/main">
+  <p:cSld>
+    <p:spTree>
+      <p:nvGrpSpPr>
+        <p:cNvPr id="1" name=""/>
+        <p:cNvGrpSpPr/>
+        <p:nvPr/>
+      </p:nvGrpSpPr>
+      <p:grpSpPr>
+        <a:xfrm>
+          <a:off x="0" y="0"/>
+          <a:ext cx="0" cy="0"/>
+          <a:chOff x="0" y="0"/>
+          <a:chExt cx="0" cy="0"/>
+        </a:xfrm>
+      </p:grpSpPr>
+      <p:sp>
+        <p:nvSpPr>
+          <p:cNvPr id="2" name="文字方塊 1">
+            <a:extLst>
+              <a:ext uri="{FF2B5EF4-FFF2-40B4-BE49-F238E27FC236}">
                 <a16:creationId xmlns:a16="http://schemas.microsoft.com/office/drawing/2014/main" id="{F33F8830-FF6D-4E14-8B5B-26B4C11E56AB}"/>
               </a:ext>
             </a:extLst>
@@ -4830,8 +5173,8 @@
         </p:nvSpPr>
         <p:spPr>
           <a:xfrm>
-            <a:off x="6576968" y="4865053"/>
-            <a:ext cx="5343788" cy="1200329"/>
+            <a:off x="5998128" y="4865053"/>
+            <a:ext cx="5922628" cy="830997"/>
           </a:xfrm>
           <a:prstGeom prst="rect">
             <a:avLst/>
@@ -4886,7 +5229,7 @@
 </p:sld>
 </file>
 
-<file path=ppt/slides/slide8.xml><?xml version="1.0" encoding="utf-8"?>
+<file path=ppt/slides/slide9.xml><?xml version="1.0" encoding="utf-8"?>
 <p:sld xmlns:a="http://schemas.openxmlformats.org/drawingml/2006/main" xmlns:r="http://schemas.openxmlformats.org/officeDocument/2006/relationships" xmlns:p="http://schemas.openxmlformats.org/presentationml/2006/main">
   <p:cSld>
     <p:spTree>

--- a/漫畫筆記本-00757028+00757018.pptx
+++ b/漫畫筆記本-00757028+00757018.pptx
@@ -3690,7 +3690,7 @@
           <a:lstStyle/>
           <a:p>
             <a:r>
-              <a:rPr lang="en-US" altLang="zh-TW" dirty="0"/>
+              <a:rPr lang="en-US" altLang="zh-TW"/>
               <a:t>00757028</a:t>
             </a:r>
             <a:r>

--- a/漫畫筆記本-00757028+00757018.pptx
+++ b/漫畫筆記本-00757028+00757018.pptx
@@ -3690,7 +3690,7 @@
           <a:lstStyle/>
           <a:p>
             <a:r>
-              <a:rPr lang="en-US" altLang="zh-TW"/>
+              <a:rPr lang="en-US" altLang="zh-TW" dirty="0"/>
               <a:t>00757028</a:t>
             </a:r>
             <a:r>
@@ -4458,7 +4458,7 @@
         <p:spPr>
           <a:xfrm>
             <a:off x="343949" y="872455"/>
-            <a:ext cx="6249798" cy="3539430"/>
+            <a:ext cx="5847301" cy="3539430"/>
           </a:xfrm>
           <a:prstGeom prst="rect">
             <a:avLst/>
@@ -4501,7 +4501,7 @@
           <a:p>
             <a:r>
               <a:rPr lang="en-US" altLang="zh-TW" sz="3200" dirty="0"/>
-              <a:t>	1.FireBase</a:t>
+              <a:t>	1.firebase</a:t>
             </a:r>
             <a:r>
               <a:rPr lang="zh-TW" altLang="en-US" sz="3200" dirty="0"/>

--- a/漫畫筆記本-00757028+00757018.pptx
+++ b/漫畫筆記本-00757028+00757018.pptx
@@ -4855,11 +4855,19 @@
           <a:p>
             <a:r>
               <a:rPr lang="en-US" altLang="zh-TW" sz="3200" dirty="0"/>
-              <a:t>	6.</a:t>
+              <a:t>	</a:t>
+            </a:r>
+            <a:r>
+              <a:rPr lang="en-US" altLang="zh-TW" sz="3200"/>
+              <a:t>6.</a:t>
+            </a:r>
+            <a:r>
+              <a:rPr lang="zh-TW" altLang="en-US" sz="3200"/>
+              <a:t>持續</a:t>
             </a:r>
             <a:r>
               <a:rPr lang="zh-TW" altLang="en-US" sz="3200" dirty="0"/>
-              <a:t>會持續更新新功能，使使用上更加方便</a:t>
+              <a:t>更新新功能，使使用上更加方便</a:t>
             </a:r>
             <a:endParaRPr lang="en-US" altLang="zh-TW" sz="3200" dirty="0"/>
           </a:p>

--- a/漫畫筆記本-00757028+00757018.pptx
+++ b/漫畫筆記本-00757028+00757018.pptx
@@ -4855,19 +4855,15 @@
           <a:p>
             <a:r>
               <a:rPr lang="en-US" altLang="zh-TW" sz="3200" dirty="0"/>
-              <a:t>	</a:t>
-            </a:r>
-            <a:r>
-              <a:rPr lang="en-US" altLang="zh-TW" sz="3200"/>
-              <a:t>6.</a:t>
+              <a:t>	6.</a:t>
             </a:r>
             <a:r>
               <a:rPr lang="zh-TW" altLang="en-US" sz="3200"/>
-              <a:t>持續</a:t>
+              <a:t>持續更新功能</a:t>
             </a:r>
             <a:r>
               <a:rPr lang="zh-TW" altLang="en-US" sz="3200" dirty="0"/>
-              <a:t>更新新功能，使使用上更加方便</a:t>
+              <a:t>，使使用上更加方便</a:t>
             </a:r>
             <a:endParaRPr lang="en-US" altLang="zh-TW" sz="3200" dirty="0"/>
           </a:p>
